--- a/汇报_20180412_赖伟鉴.pptx
+++ b/汇报_20180412_赖伟鉴.pptx
@@ -230,7 +230,7 @@
           <a:p>
             <a:fld id="{A2A9047C-1412-44E3-92F3-8C16A0CAED73}" type="datetime2">
               <a:rPr lang="zh-CN" altLang="en-US" smtClean="0"/>
-              <a:t>2018年4月12日</a:t>
+              <a:t>2018年4月13日</a:t>
             </a:fld>
             <a:endParaRPr lang="en-US"/>
           </a:p>
@@ -391,7 +391,7 @@
           <a:p>
             <a:fld id="{EBB5FEA6-CFBF-4DC5-9512-17D7D42EC87C}" type="datetime2">
               <a:rPr lang="zh-CN" altLang="en-US" smtClean="0"/>
-              <a:t>2018年4月12日</a:t>
+              <a:t>2018年4月13日</a:t>
             </a:fld>
             <a:endParaRPr lang="zh-CN" altLang="en-US"/>
           </a:p>
@@ -2931,7 +2931,7 @@
           <a:p>
             <a:fld id="{E218CEBF-B1E2-4C24-A638-4011EC557846}" type="datetime2">
               <a:rPr lang="zh-CN" altLang="en-US" smtClean="0"/>
-              <a:t>2018年4月12日</a:t>
+              <a:t>2018年4月13日</a:t>
             </a:fld>
             <a:endParaRPr lang="zh-CN" altLang="en-US"/>
           </a:p>
@@ -3096,7 +3096,7 @@
           <a:p>
             <a:fld id="{C432C8E6-46E0-4549-A619-5D2757CEC302}" type="datetime2">
               <a:rPr lang="zh-CN" altLang="en-US" smtClean="0"/>
-              <a:t>2018年4月12日</a:t>
+              <a:t>2018年4月13日</a:t>
             </a:fld>
             <a:endParaRPr lang="zh-CN" altLang="en-US"/>
           </a:p>
@@ -3271,7 +3271,7 @@
           <a:p>
             <a:fld id="{5953B90A-EE9A-4633-B860-9B966B2D7BA1}" type="datetime2">
               <a:rPr lang="zh-CN" altLang="en-US" smtClean="0"/>
-              <a:t>2018年4月12日</a:t>
+              <a:t>2018年4月13日</a:t>
             </a:fld>
             <a:endParaRPr lang="zh-CN" altLang="en-US"/>
           </a:p>
@@ -3436,7 +3436,7 @@
           <a:p>
             <a:fld id="{379C6D21-0034-4570-B40E-B2355E568F5B}" type="datetime2">
               <a:rPr lang="zh-CN" altLang="en-US" smtClean="0"/>
-              <a:t>2018年4月12日</a:t>
+              <a:t>2018年4月13日</a:t>
             </a:fld>
             <a:endParaRPr lang="zh-CN" altLang="en-US"/>
           </a:p>
@@ -3675,7 +3675,7 @@
           <a:p>
             <a:fld id="{2B517FA8-9CDF-43BD-B52A-477D660FE07F}" type="datetime2">
               <a:rPr lang="zh-CN" altLang="en-US" smtClean="0"/>
-              <a:t>2018年4月12日</a:t>
+              <a:t>2018年4月13日</a:t>
             </a:fld>
             <a:endParaRPr lang="zh-CN" altLang="en-US"/>
           </a:p>
@@ -3902,7 +3902,7 @@
           <a:p>
             <a:fld id="{FF3F4D52-7347-40E6-BC42-BA222B158758}" type="datetime2">
               <a:rPr lang="zh-CN" altLang="en-US" smtClean="0"/>
-              <a:t>2018年4月12日</a:t>
+              <a:t>2018年4月13日</a:t>
             </a:fld>
             <a:endParaRPr lang="zh-CN" altLang="en-US"/>
           </a:p>
@@ -4264,7 +4264,7 @@
           <a:p>
             <a:fld id="{37BBE47B-1DD0-4718-BF6F-A24F1432C45A}" type="datetime2">
               <a:rPr lang="zh-CN" altLang="en-US" smtClean="0"/>
-              <a:t>2018年4月12日</a:t>
+              <a:t>2018年4月13日</a:t>
             </a:fld>
             <a:endParaRPr lang="zh-CN" altLang="en-US"/>
           </a:p>
@@ -4377,7 +4377,7 @@
           <a:p>
             <a:fld id="{D61CB1F2-7D55-4764-8DD0-419C6EBB44B2}" type="datetime2">
               <a:rPr lang="zh-CN" altLang="en-US" smtClean="0"/>
-              <a:t>2018年4月12日</a:t>
+              <a:t>2018年4月13日</a:t>
             </a:fld>
             <a:endParaRPr lang="zh-CN" altLang="en-US"/>
           </a:p>
@@ -4467,7 +4467,7 @@
           <a:p>
             <a:fld id="{32EC8057-9B77-43CE-9615-0FCF1116B386}" type="datetime2">
               <a:rPr lang="zh-CN" altLang="en-US" smtClean="0"/>
-              <a:t>2018年4月12日</a:t>
+              <a:t>2018年4月13日</a:t>
             </a:fld>
             <a:endParaRPr lang="zh-CN" altLang="en-US"/>
           </a:p>
@@ -4739,7 +4739,7 @@
           <a:p>
             <a:fld id="{27A9E195-8062-46FA-B645-56D52D4BE8AB}" type="datetime2">
               <a:rPr lang="zh-CN" altLang="en-US" smtClean="0"/>
-              <a:t>2018年4月12日</a:t>
+              <a:t>2018年4月13日</a:t>
             </a:fld>
             <a:endParaRPr lang="zh-CN" altLang="en-US"/>
           </a:p>
@@ -4991,7 +4991,7 @@
           <a:p>
             <a:fld id="{13AFCE97-6A8E-431F-BF0E-530FFA713E04}" type="datetime2">
               <a:rPr lang="zh-CN" altLang="en-US" smtClean="0"/>
-              <a:t>2018年4月12日</a:t>
+              <a:t>2018年4月13日</a:t>
             </a:fld>
             <a:endParaRPr lang="zh-CN" altLang="en-US"/>
           </a:p>
@@ -5199,7 +5199,7 @@
           <a:p>
             <a:fld id="{8FC232A7-FD91-4B70-B1B7-74A6EE3D1B09}" type="datetime2">
               <a:rPr lang="zh-CN" altLang="en-US" smtClean="0"/>
-              <a:t>2018年4月12日</a:t>
+              <a:t>2018年4月13日</a:t>
             </a:fld>
             <a:endParaRPr lang="zh-CN" altLang="en-US"/>
           </a:p>
@@ -7442,11 +7442,17 @@
           <p:cNvGraphicFramePr>
             <a:graphicFrameLocks noGrp="1"/>
           </p:cNvGraphicFramePr>
-          <p:nvPr/>
+          <p:nvPr>
+            <p:extLst>
+              <p:ext uri="{D42A27DB-BD31-4B8C-83A1-F6EECF244321}">
+                <p14:modId xmlns:p14="http://schemas.microsoft.com/office/powerpoint/2010/main" val="2396506648"/>
+              </p:ext>
+            </p:extLst>
+          </p:nvPr>
         </p:nvGraphicFramePr>
         <p:xfrm>
           <a:off x="526604" y="2206545"/>
-          <a:ext cx="8098598" cy="3452134"/>
+          <a:ext cx="8098598" cy="2755185"/>
         </p:xfrm>
         <a:graphic>
           <a:graphicData uri="http://schemas.openxmlformats.org/drawingml/2006/table">
@@ -7650,7 +7656,7 @@
                         <a:rPr lang="en-US" sz="1500" b="0" kern="100" dirty="0">
                           <a:effectLst/>
                         </a:rPr>
-                        <a:t>13</a:t>
+                        <a:t>10</a:t>
                       </a:r>
                       <a:endParaRPr lang="en-US" sz="1500" b="0" kern="100" dirty="0">
                         <a:effectLst/>
@@ -7791,7 +7797,7 @@
                           <a:latin typeface="Times New Roman" panose="02020603050405020304" pitchFamily="18" charset="0"/>
                           <a:ea typeface="宋体" panose="02010600030101010101" pitchFamily="2" charset="-122"/>
                         </a:rPr>
-                        <a:t>15</a:t>
+                        <a:t>18</a:t>
                       </a:r>
                     </a:p>
                   </a:txBody>
@@ -7959,7 +7965,7 @@
                           <a:latin typeface="Times New Roman" panose="02020603050405020304" pitchFamily="18" charset="0"/>
                           <a:ea typeface="宋体" panose="02010600030101010101" pitchFamily="2" charset="-122"/>
                         </a:rPr>
-                        <a:t>17</a:t>
+                        <a:t>24</a:t>
                       </a:r>
                     </a:p>
                   </a:txBody>
@@ -8000,183 +8006,6 @@
                       </a:endParaRPr>
                     </a:p>
                   </a:txBody>
-                  <a:tcPr marL="100636" marR="100636" marT="0" marB="0" anchor="ctr"/>
-                </a:tc>
-                <a:tc>
-                  <a:txBody>
-                    <a:bodyPr/>
-                    <a:lstStyle/>
-                    <a:p>
-                      <a:pPr indent="266700" algn="ctr">
-                        <a:spcAft>
-                          <a:spcPts val="0"/>
-                        </a:spcAft>
-                      </a:pPr>
-                      <a:r>
-                        <a:rPr lang="zh-CN" sz="1500" kern="100" dirty="0">
-                          <a:effectLst/>
-                          <a:sym typeface="+mn-ea"/>
-                        </a:rPr>
-                        <a:t>模式</a:t>
-                      </a:r>
-                      <a:r>
-                        <a:rPr lang="en-US" altLang="zh-CN" sz="1500" kern="100" dirty="0">
-                          <a:effectLst/>
-                          <a:sym typeface="+mn-ea"/>
-                        </a:rPr>
-                        <a:t>2</a:t>
-                      </a:r>
-                      <a:endParaRPr lang="en-US" altLang="zh-CN" sz="1500" b="0" kern="100" dirty="0">
-                        <a:effectLst/>
-                        <a:latin typeface="Times New Roman" panose="02020603050405020304" pitchFamily="18" charset="0"/>
-                        <a:ea typeface="+mn-ea"/>
-                        <a:sym typeface="+mn-ea"/>
-                      </a:endParaRPr>
-                    </a:p>
-                  </a:txBody>
-                  <a:tcPr marL="100636" marR="100636" marT="0" marB="0" anchor="ctr"/>
-                </a:tc>
-                <a:tc>
-                  <a:txBody>
-                    <a:bodyPr/>
-                    <a:lstStyle/>
-                    <a:p>
-                      <a:pPr algn="ctr">
-                        <a:spcAft>
-                          <a:spcPts val="0"/>
-                        </a:spcAft>
-                      </a:pPr>
-                      <a:r>
-                        <a:rPr lang="en-US" sz="1500" b="0" kern="100" dirty="0">
-                          <a:effectLst/>
-                          <a:latin typeface="Times New Roman" panose="02020603050405020304" pitchFamily="18" charset="0"/>
-                          <a:ea typeface="宋体" panose="02010600030101010101" pitchFamily="2" charset="-122"/>
-                        </a:rPr>
-                        <a:t>12</a:t>
-                      </a:r>
-                    </a:p>
-                  </a:txBody>
-                  <a:tcPr marL="100636" marR="100636" marT="0" marB="0" anchor="ctr"/>
-                </a:tc>
-                <a:extLst>
-                  <a:ext uri="{0D108BD9-81ED-4DB2-BD59-A6C34878D82A}">
-                    <a16:rowId xmlns:a16="http://schemas.microsoft.com/office/drawing/2014/main" val="10004"/>
-                  </a:ext>
-                </a:extLst>
-              </a:tr>
-              <a:tr h="348363">
-                <a:tc>
-                  <a:txBody>
-                    <a:bodyPr/>
-                    <a:lstStyle/>
-                    <a:p>
-                      <a:pPr indent="266700" algn="ctr">
-                        <a:spcAft>
-                          <a:spcPts val="0"/>
-                        </a:spcAft>
-                        <a:buNone/>
-                      </a:pPr>
-                      <a:endParaRPr lang="zh-CN" altLang="en-US" sz="1500" b="0" kern="100" dirty="0">
-                        <a:effectLst/>
-                        <a:latin typeface="Times New Roman" panose="02020603050405020304" pitchFamily="18" charset="0"/>
-                        <a:ea typeface="+mn-ea"/>
-                      </a:endParaRPr>
-                    </a:p>
-                  </a:txBody>
-                  <a:tcPr marL="100636" marR="100636" marT="0" marB="0" anchor="ctr">
-                    <a:lnB>
-                      <a:noFill/>
-                    </a:lnB>
-                  </a:tcPr>
-                </a:tc>
-                <a:tc>
-                  <a:txBody>
-                    <a:bodyPr/>
-                    <a:lstStyle/>
-                    <a:p>
-                      <a:pPr indent="266700" algn="ctr">
-                        <a:spcAft>
-                          <a:spcPts val="0"/>
-                        </a:spcAft>
-                      </a:pPr>
-                      <a:r>
-                        <a:rPr lang="zh-CN" sz="1500" kern="100" dirty="0">
-                          <a:effectLst/>
-                          <a:sym typeface="+mn-ea"/>
-                        </a:rPr>
-                        <a:t>模式</a:t>
-                      </a:r>
-                      <a:r>
-                        <a:rPr lang="en-US" altLang="zh-CN" sz="1500" kern="100" dirty="0">
-                          <a:effectLst/>
-                          <a:sym typeface="+mn-ea"/>
-                        </a:rPr>
-                        <a:t>3</a:t>
-                      </a:r>
-                      <a:endParaRPr lang="en-US" altLang="zh-CN" sz="1500" b="0" kern="100" dirty="0">
-                        <a:effectLst/>
-                        <a:latin typeface="Times New Roman" panose="02020603050405020304" pitchFamily="18" charset="0"/>
-                        <a:ea typeface="+mn-ea"/>
-                      </a:endParaRPr>
-                    </a:p>
-                  </a:txBody>
-                  <a:tcPr marL="100636" marR="100636" marT="0" marB="0" anchor="ctr">
-                    <a:lnB>
-                      <a:noFill/>
-                    </a:lnB>
-                  </a:tcPr>
-                </a:tc>
-                <a:tc>
-                  <a:txBody>
-                    <a:bodyPr/>
-                    <a:lstStyle/>
-                    <a:p>
-                      <a:pPr algn="ctr">
-                        <a:spcAft>
-                          <a:spcPts val="0"/>
-                        </a:spcAft>
-                      </a:pPr>
-                      <a:r>
-                        <a:rPr lang="en-US" sz="1500" b="0" kern="100" dirty="0">
-                          <a:effectLst/>
-                          <a:latin typeface="Times New Roman" panose="02020603050405020304" pitchFamily="18" charset="0"/>
-                          <a:ea typeface="宋体" panose="02010600030101010101" pitchFamily="2" charset="-122"/>
-                        </a:rPr>
-                        <a:t>19</a:t>
-                      </a:r>
-                    </a:p>
-                  </a:txBody>
-                  <a:tcPr marL="100636" marR="100636" marT="0" marB="0" anchor="ctr">
-                    <a:lnB>
-                      <a:noFill/>
-                    </a:lnB>
-                  </a:tcPr>
-                </a:tc>
-                <a:extLst>
-                  <a:ext uri="{0D108BD9-81ED-4DB2-BD59-A6C34878D82A}">
-                    <a16:rowId xmlns:a16="http://schemas.microsoft.com/office/drawing/2014/main" val="10005"/>
-                  </a:ext>
-                </a:extLst>
-              </a:tr>
-              <a:tr h="348586">
-                <a:tc>
-                  <a:txBody>
-                    <a:bodyPr/>
-                    <a:lstStyle/>
-                    <a:p>
-                      <a:pPr indent="266700" algn="ctr">
-                        <a:spcAft>
-                          <a:spcPts val="0"/>
-                        </a:spcAft>
-                        <a:buNone/>
-                      </a:pPr>
-                      <a:endParaRPr lang="en-US" altLang="zh-CN" sz="1500" b="0" kern="100" dirty="0">
-                        <a:effectLst/>
-                        <a:latin typeface="Times New Roman" panose="02020603050405020304" pitchFamily="18" charset="0"/>
-                        <a:ea typeface="+mn-ea"/>
-                      </a:endParaRPr>
-                    </a:p>
-                  </a:txBody>
                   <a:tcPr marL="100636" marR="100636" marT="0" marB="0" anchor="ctr">
                     <a:lnL>
                       <a:noFill/>
@@ -8184,9 +8013,6 @@
                     <a:lnR>
                       <a:noFill/>
                     </a:lnR>
-                    <a:lnT>
-                      <a:noFill/>
-                    </a:lnT>
                     <a:lnB w="12700" cap="flat" cmpd="sng" algn="ctr">
                       <a:solidFill>
                         <a:schemeClr val="tx1"/>
@@ -8228,7 +8054,7 @@
                           <a:effectLst/>
                           <a:sym typeface="+mn-ea"/>
                         </a:rPr>
-                        <a:t>4</a:t>
+                        <a:t>2</a:t>
                       </a:r>
                       <a:endParaRPr lang="en-US" altLang="zh-CN" sz="1500" b="0" kern="100" dirty="0">
                         <a:effectLst/>
@@ -8245,9 +8071,6 @@
                     <a:lnR>
                       <a:noFill/>
                     </a:lnR>
-                    <a:lnT>
-                      <a:noFill/>
-                    </a:lnT>
                     <a:lnB w="12700" cap="flat" cmpd="sng" algn="ctr">
                       <a:solidFill>
                         <a:schemeClr val="tx1"/>
@@ -8283,7 +8106,7 @@
                           <a:latin typeface="Times New Roman" panose="02020603050405020304" pitchFamily="18" charset="0"/>
                           <a:ea typeface="宋体" panose="02010600030101010101" pitchFamily="2" charset="-122"/>
                         </a:rPr>
-                        <a:t>13</a:t>
+                        <a:t>37</a:t>
                       </a:r>
                     </a:p>
                   </a:txBody>
@@ -8294,9 +8117,6 @@
                     <a:lnR>
                       <a:noFill/>
                     </a:lnR>
-                    <a:lnT>
-                      <a:noFill/>
-                    </a:lnT>
                     <a:lnB w="12700" cap="flat" cmpd="sng" algn="ctr">
                       <a:solidFill>
                         <a:schemeClr val="tx1"/>
@@ -8456,7 +8276,7 @@
                           <a:latin typeface="Times New Roman" panose="02020603050405020304" pitchFamily="18" charset="0"/>
                           <a:ea typeface="宋体" panose="02010600030101010101" pitchFamily="2" charset="-122"/>
                         </a:rPr>
-                        <a:t>25</a:t>
+                        <a:t>13</a:t>
                       </a:r>
                     </a:p>
                   </a:txBody>
@@ -8547,7 +8367,7 @@
                           <a:latin typeface="Times New Roman" panose="02020603050405020304" pitchFamily="18" charset="0"/>
                           <a:ea typeface="宋体" panose="02010600030101010101" pitchFamily="2" charset="-122"/>
                         </a:rPr>
-                        <a:t>10</a:t>
+                        <a:t>22</a:t>
                       </a:r>
                     </a:p>
                   </a:txBody>
@@ -11196,11 +11016,17 @@
           <p:cNvGraphicFramePr>
             <a:graphicFrameLocks noGrp="1"/>
           </p:cNvGraphicFramePr>
-          <p:nvPr/>
+          <p:nvPr>
+            <p:extLst>
+              <p:ext uri="{D42A27DB-BD31-4B8C-83A1-F6EECF244321}">
+                <p14:modId xmlns:p14="http://schemas.microsoft.com/office/powerpoint/2010/main" val="2846243748"/>
+              </p:ext>
+            </p:extLst>
+          </p:nvPr>
         </p:nvGraphicFramePr>
         <p:xfrm>
           <a:off x="504413" y="2251690"/>
-          <a:ext cx="8120790" cy="3566011"/>
+          <a:ext cx="8120790" cy="2584983"/>
         </p:xfrm>
         <a:graphic>
           <a:graphicData uri="http://schemas.openxmlformats.org/drawingml/2006/table">
@@ -11450,7 +11276,7 @@
                         <a:rPr lang="en-US" sz="1500" b="0" kern="100" dirty="0">
                           <a:effectLst/>
                         </a:rPr>
-                        <a:t>5</a:t>
+                        <a:t>10</a:t>
                       </a:r>
                       <a:endParaRPr lang="en-US" sz="1500" b="0" kern="100" dirty="0">
                         <a:effectLst/>
@@ -11485,149 +11311,6 @@
                 <a:extLst>
                   <a:ext uri="{0D108BD9-81ED-4DB2-BD59-A6C34878D82A}">
                     <a16:rowId xmlns:a16="http://schemas.microsoft.com/office/drawing/2014/main" val="10001"/>
-                  </a:ext>
-                </a:extLst>
-              </a:tr>
-              <a:tr h="327079">
-                <a:tc>
-                  <a:txBody>
-                    <a:bodyPr/>
-                    <a:lstStyle/>
-                    <a:p>
-                      <a:pPr indent="266700" algn="ctr">
-                        <a:spcAft>
-                          <a:spcPts val="0"/>
-                        </a:spcAft>
-                        <a:buNone/>
-                      </a:pPr>
-                      <a:endParaRPr lang="en-US" altLang="zh-CN" sz="1500" b="0" kern="100" dirty="0">
-                        <a:effectLst/>
-                        <a:latin typeface="Times New Roman" panose="02020603050405020304" pitchFamily="18" charset="0"/>
-                        <a:ea typeface="+mn-ea"/>
-                      </a:endParaRPr>
-                    </a:p>
-                  </a:txBody>
-                  <a:tcPr marL="100636" marR="100636" marT="0" marB="0" anchor="ctr">
-                    <a:lnL>
-                      <a:noFill/>
-                    </a:lnL>
-                    <a:lnR>
-                      <a:noFill/>
-                    </a:lnR>
-                    <a:lnT>
-                      <a:noFill/>
-                    </a:lnT>
-                    <a:lnB>
-                      <a:noFill/>
-                    </a:lnB>
-                    <a:lnTlToBr w="12700" cmpd="sng">
-                      <a:noFill/>
-                      <a:prstDash val="solid"/>
-                    </a:lnTlToBr>
-                    <a:lnBlToTr w="12700" cmpd="sng">
-                      <a:noFill/>
-                      <a:prstDash val="solid"/>
-                    </a:lnBlToTr>
-                  </a:tcPr>
-                </a:tc>
-                <a:tc>
-                  <a:txBody>
-                    <a:bodyPr/>
-                    <a:lstStyle/>
-                    <a:p>
-                      <a:pPr indent="266700" algn="ctr">
-                        <a:spcAft>
-                          <a:spcPts val="0"/>
-                        </a:spcAft>
-                      </a:pPr>
-                      <a:r>
-                        <a:rPr lang="zh-CN" sz="1500" b="0" kern="100" dirty="0">
-                          <a:effectLst/>
-                        </a:rPr>
-                        <a:t>模式</a:t>
-                      </a:r>
-                      <a:r>
-                        <a:rPr lang="en-US" altLang="zh-CN" sz="1500" b="0" kern="100" dirty="0">
-                          <a:effectLst/>
-                        </a:rPr>
-                        <a:t>2</a:t>
-                      </a:r>
-                      <a:endParaRPr lang="en-US" altLang="zh-CN" sz="1500" b="0" kern="100" dirty="0">
-                        <a:effectLst/>
-                        <a:latin typeface="Times New Roman" panose="02020603050405020304" pitchFamily="18" charset="0"/>
-                        <a:ea typeface="+mn-ea"/>
-                      </a:endParaRPr>
-                    </a:p>
-                  </a:txBody>
-                  <a:tcPr marL="100636" marR="100636" marT="0" marB="0" anchor="ctr">
-                    <a:lnL>
-                      <a:noFill/>
-                    </a:lnL>
-                    <a:lnR>
-                      <a:noFill/>
-                    </a:lnR>
-                    <a:lnT>
-                      <a:noFill/>
-                    </a:lnT>
-                    <a:lnB>
-                      <a:noFill/>
-                    </a:lnB>
-                    <a:lnTlToBr w="12700" cmpd="sng">
-                      <a:noFill/>
-                      <a:prstDash val="solid"/>
-                    </a:lnTlToBr>
-                    <a:lnBlToTr w="12700" cmpd="sng">
-                      <a:noFill/>
-                      <a:prstDash val="solid"/>
-                    </a:lnBlToTr>
-                  </a:tcPr>
-                </a:tc>
-                <a:tc>
-                  <a:txBody>
-                    <a:bodyPr/>
-                    <a:lstStyle/>
-                    <a:p>
-                      <a:pPr algn="ctr">
-                        <a:spcAft>
-                          <a:spcPts val="0"/>
-                        </a:spcAft>
-                      </a:pPr>
-                      <a:r>
-                        <a:rPr lang="en-US" sz="1500" b="0" kern="100" dirty="0">
-                          <a:effectLst/>
-                          <a:latin typeface="Times New Roman" panose="02020603050405020304" pitchFamily="18" charset="0"/>
-                          <a:ea typeface="宋体" panose="02010600030101010101" pitchFamily="2" charset="-122"/>
-                        </a:rPr>
-                        <a:t>11</a:t>
-                      </a:r>
-                    </a:p>
-                  </a:txBody>
-                  <a:tcPr marL="100636" marR="100636" marT="0" marB="0" anchor="ctr">
-                    <a:lnL>
-                      <a:noFill/>
-                    </a:lnL>
-                    <a:lnR>
-                      <a:noFill/>
-                    </a:lnR>
-                    <a:lnT>
-                      <a:noFill/>
-                    </a:lnT>
-                    <a:lnB>
-                      <a:noFill/>
-                    </a:lnB>
-                    <a:lnTlToBr w="12700" cmpd="sng">
-                      <a:noFill/>
-                      <a:prstDash val="solid"/>
-                    </a:lnTlToBr>
-                    <a:lnBlToTr w="12700" cmpd="sng">
-                      <a:noFill/>
-                      <a:prstDash val="solid"/>
-                    </a:lnBlToTr>
-                  </a:tcPr>
-                </a:tc>
-                <a:extLst>
-                  <a:ext uri="{0D108BD9-81ED-4DB2-BD59-A6C34878D82A}">
-                    <a16:rowId xmlns:a16="http://schemas.microsoft.com/office/drawing/2014/main" val="10002"/>
                   </a:ext>
                 </a:extLst>
               </a:tr>
@@ -11722,7 +11405,7 @@
                           <a:effectLst/>
                           <a:sym typeface="+mn-ea"/>
                         </a:rPr>
-                        <a:t>3</a:t>
+                        <a:t>2</a:t>
                       </a:r>
                       <a:endParaRPr lang="zh-CN" sz="1500" b="0" kern="100" dirty="0">
                         <a:effectLst/>
@@ -11776,7 +11459,7 @@
                           <a:latin typeface="Times New Roman" panose="02020603050405020304" pitchFamily="18" charset="0"/>
                           <a:ea typeface="宋体" panose="02010600030101010101" pitchFamily="2" charset="-122"/>
                         </a:rPr>
-                        <a:t>10</a:t>
+                        <a:t>16</a:t>
                       </a:r>
                     </a:p>
                   </a:txBody>
@@ -11951,7 +11634,7 @@
                           <a:latin typeface="Times New Roman" panose="02020603050405020304" pitchFamily="18" charset="0"/>
                           <a:ea typeface="宋体" panose="02010600030101010101" pitchFamily="2" charset="-122"/>
                         </a:rPr>
-                        <a:t>10</a:t>
+                        <a:t>34</a:t>
                       </a:r>
                     </a:p>
                   </a:txBody>
@@ -11970,88 +11653,6 @@
                 <a:extLst>
                   <a:ext uri="{0D108BD9-81ED-4DB2-BD59-A6C34878D82A}">
                     <a16:rowId xmlns:a16="http://schemas.microsoft.com/office/drawing/2014/main" val="10004"/>
-                  </a:ext>
-                </a:extLst>
-              </a:tr>
-              <a:tr h="326870">
-                <a:tc>
-                  <a:txBody>
-                    <a:bodyPr/>
-                    <a:lstStyle/>
-                    <a:p>
-                      <a:pPr indent="266700" algn="ctr">
-                        <a:spcAft>
-                          <a:spcPts val="0"/>
-                        </a:spcAft>
-                        <a:buNone/>
-                      </a:pPr>
-                      <a:endParaRPr lang="zh-CN" altLang="en-US" sz="1500" b="0" kern="100" dirty="0">
-                        <a:effectLst/>
-                        <a:latin typeface="Times New Roman" panose="02020603050405020304" pitchFamily="18" charset="0"/>
-                        <a:ea typeface="+mn-ea"/>
-                      </a:endParaRPr>
-                    </a:p>
-                  </a:txBody>
-                  <a:tcPr marL="100636" marR="100636" marT="0" marB="0" anchor="ctr"/>
-                </a:tc>
-                <a:tc>
-                  <a:txBody>
-                    <a:bodyPr/>
-                    <a:lstStyle/>
-                    <a:p>
-                      <a:pPr indent="266700" algn="ctr">
-                        <a:spcAft>
-                          <a:spcPts val="0"/>
-                        </a:spcAft>
-                      </a:pPr>
-                      <a:r>
-                        <a:rPr lang="zh-CN" sz="1500" kern="100" dirty="0">
-                          <a:effectLst/>
-                          <a:sym typeface="+mn-ea"/>
-                        </a:rPr>
-                        <a:t>模式</a:t>
-                      </a:r>
-                      <a:r>
-                        <a:rPr lang="en-US" altLang="zh-CN" sz="1500" kern="100" dirty="0">
-                          <a:effectLst/>
-                          <a:sym typeface="+mn-ea"/>
-                        </a:rPr>
-                        <a:t>2</a:t>
-                      </a:r>
-                      <a:endParaRPr lang="en-US" altLang="zh-CN" sz="1500" b="0" kern="100" dirty="0">
-                        <a:effectLst/>
-                        <a:latin typeface="Times New Roman" panose="02020603050405020304" pitchFamily="18" charset="0"/>
-                        <a:ea typeface="+mn-ea"/>
-                      </a:endParaRPr>
-                    </a:p>
-                  </a:txBody>
-                  <a:tcPr marL="100636" marR="100636" marT="0" marB="0" anchor="ctr"/>
-                </a:tc>
-                <a:tc>
-                  <a:txBody>
-                    <a:bodyPr/>
-                    <a:lstStyle/>
-                    <a:p>
-                      <a:pPr algn="ctr">
-                        <a:spcAft>
-                          <a:spcPts val="0"/>
-                        </a:spcAft>
-                      </a:pPr>
-                      <a:r>
-                        <a:rPr lang="en-US" sz="1500" b="0" kern="100" dirty="0">
-                          <a:effectLst/>
-                          <a:latin typeface="Times New Roman" panose="02020603050405020304" pitchFamily="18" charset="0"/>
-                          <a:ea typeface="宋体" panose="02010600030101010101" pitchFamily="2" charset="-122"/>
-                        </a:rPr>
-                        <a:t>35</a:t>
-                      </a:r>
-                    </a:p>
-                  </a:txBody>
-                  <a:tcPr marL="100636" marR="100636" marT="0" marB="0" anchor="ctr"/>
-                </a:tc>
-                <a:extLst>
-                  <a:ext uri="{0D108BD9-81ED-4DB2-BD59-A6C34878D82A}">
-                    <a16:rowId xmlns:a16="http://schemas.microsoft.com/office/drawing/2014/main" val="10005"/>
                   </a:ext>
                 </a:extLst>
               </a:tr>
@@ -12119,7 +11720,7 @@
                           <a:effectLst/>
                           <a:sym typeface="+mn-ea"/>
                         </a:rPr>
-                        <a:t>3</a:t>
+                        <a:t>2</a:t>
                       </a:r>
                       <a:endParaRPr lang="en-US" altLang="zh-CN" sz="1500" b="0" kern="100" dirty="0">
                         <a:effectLst/>
@@ -12156,7 +11757,7 @@
                           <a:latin typeface="Times New Roman" panose="02020603050405020304" pitchFamily="18" charset="0"/>
                           <a:ea typeface="宋体" panose="02010600030101010101" pitchFamily="2" charset="-122"/>
                         </a:rPr>
-                        <a:t>9</a:t>
+                        <a:t>20</a:t>
                       </a:r>
                     </a:p>
                   </a:txBody>
@@ -12314,7 +11915,7 @@
                           <a:latin typeface="Times New Roman" panose="02020603050405020304" pitchFamily="18" charset="0"/>
                           <a:ea typeface="宋体" panose="02010600030101010101" pitchFamily="2" charset="-122"/>
                         </a:rPr>
-                        <a:t>3</a:t>
+                        <a:t>11</a:t>
                       </a:r>
                     </a:p>
                   </a:txBody>
@@ -12405,88 +12006,7 @@
                           <a:latin typeface="Times New Roman" panose="02020603050405020304" pitchFamily="18" charset="0"/>
                           <a:ea typeface="宋体" panose="02010600030101010101" pitchFamily="2" charset="-122"/>
                         </a:rPr>
-                        <a:t>11</a:t>
-                      </a:r>
-                    </a:p>
-                  </a:txBody>
-                  <a:tcPr marL="100636" marR="100636" marT="0" marB="0" anchor="ctr"/>
-                </a:tc>
-                <a:extLst>
-                  <a:ext uri="{0D108BD9-81ED-4DB2-BD59-A6C34878D82A}">
-                    <a16:rowId xmlns:a16="http://schemas.microsoft.com/office/drawing/2014/main" val="10008"/>
-                  </a:ext>
-                </a:extLst>
-              </a:tr>
-              <a:tr h="327079">
-                <a:tc>
-                  <a:txBody>
-                    <a:bodyPr/>
-                    <a:lstStyle/>
-                    <a:p>
-                      <a:pPr indent="266700" algn="ctr">
-                        <a:spcAft>
-                          <a:spcPts val="0"/>
-                        </a:spcAft>
-                        <a:buNone/>
-                      </a:pPr>
-                      <a:endParaRPr lang="en-US" altLang="zh-CN" sz="1500" b="0" kern="100" dirty="0">
-                        <a:effectLst/>
-                        <a:latin typeface="Times New Roman" panose="02020603050405020304" pitchFamily="18" charset="0"/>
-                        <a:ea typeface="+mn-ea"/>
-                      </a:endParaRPr>
-                    </a:p>
-                  </a:txBody>
-                  <a:tcPr marL="100636" marR="100636" marT="0" marB="0" anchor="ctr"/>
-                </a:tc>
-                <a:tc>
-                  <a:txBody>
-                    <a:bodyPr/>
-                    <a:lstStyle/>
-                    <a:p>
-                      <a:pPr indent="266700" algn="ctr">
-                        <a:spcAft>
-                          <a:spcPts val="0"/>
-                        </a:spcAft>
-                      </a:pPr>
-                      <a:r>
-                        <a:rPr lang="zh-CN" altLang="en-US" sz="1500" b="0" kern="100" dirty="0">
-                          <a:effectLst/>
-                          <a:latin typeface="Times New Roman" panose="02020603050405020304" pitchFamily="18" charset="0"/>
-                          <a:ea typeface="+mn-ea"/>
-                          <a:sym typeface="+mn-ea"/>
-                        </a:rPr>
-                        <a:t>模式</a:t>
-                      </a:r>
-                      <a:r>
-                        <a:rPr lang="en-US" altLang="zh-CN" sz="1500" b="0" kern="100" dirty="0">
-                          <a:effectLst/>
-                          <a:latin typeface="Times New Roman" panose="02020603050405020304" pitchFamily="18" charset="0"/>
-                          <a:ea typeface="+mn-ea"/>
-                          <a:sym typeface="+mn-ea"/>
-                        </a:rPr>
-                        <a:t>3</a:t>
-                      </a:r>
-                    </a:p>
-                  </a:txBody>
-                  <a:tcPr marL="100636" marR="100636" marT="0" marB="0" anchor="ctr"/>
-                </a:tc>
-                <a:tc>
-                  <a:txBody>
-                    <a:bodyPr/>
-                    <a:lstStyle/>
-                    <a:p>
-                      <a:pPr algn="ctr">
-                        <a:spcAft>
-                          <a:spcPts val="0"/>
-                        </a:spcAft>
-                      </a:pPr>
-                      <a:r>
-                        <a:rPr lang="en-US" sz="1500" b="0" kern="100" dirty="0">
-                          <a:effectLst/>
-                          <a:latin typeface="Times New Roman" panose="02020603050405020304" pitchFamily="18" charset="0"/>
-                          <a:ea typeface="宋体" panose="02010600030101010101" pitchFamily="2" charset="-122"/>
-                        </a:rPr>
-                        <a:t>2</a:t>
+                        <a:t>5</a:t>
                       </a:r>
                     </a:p>
                   </a:txBody>
@@ -12743,7 +12263,7 @@
         </p:nvSpPr>
         <p:spPr>
           <a:xfrm>
-            <a:off x="767093" y="2305615"/>
+            <a:off x="1734502" y="2306320"/>
             <a:ext cx="7609813" cy="2245360"/>
           </a:xfrm>
           <a:prstGeom prst="rect">
@@ -12999,8 +12519,8 @@
         </p:nvSpPr>
         <p:spPr>
           <a:xfrm>
-            <a:off x="276788" y="1464480"/>
-            <a:ext cx="8191377" cy="4770537"/>
+            <a:off x="328802" y="1848794"/>
+            <a:ext cx="8191377" cy="3662541"/>
           </a:xfrm>
           <a:prstGeom prst="rect">
             <a:avLst/>
@@ -13025,7 +12545,7 @@
                 <a:latin typeface="微软雅黑" panose="020B0503020204020204" pitchFamily="34" charset="-122"/>
                 <a:ea typeface="微软雅黑" panose="020B0503020204020204" pitchFamily="34" charset="-122"/>
               </a:rPr>
-              <a:t>步骤：</a:t>
+              <a:t>变化的地方：</a:t>
             </a:r>
             <a:endParaRPr lang="en-US" altLang="zh-CN" sz="3200" dirty="0">
               <a:latin typeface="微软雅黑" panose="020B0503020204020204" pitchFamily="34" charset="-122"/>
@@ -13065,21 +12585,21 @@
                 <a:latin typeface="微软雅黑" panose="020B0503020204020204" pitchFamily="34" charset="-122"/>
                 <a:ea typeface="微软雅黑" panose="020B0503020204020204" pitchFamily="34" charset="-122"/>
               </a:rPr>
-              <a:t>，</a:t>
+              <a:t>，得到不同模式下的</a:t>
             </a:r>
             <a:r>
               <a:rPr lang="en-US" altLang="zh-CN" sz="2400" dirty="0">
                 <a:latin typeface="微软雅黑" panose="020B0503020204020204" pitchFamily="34" charset="-122"/>
                 <a:ea typeface="微软雅黑" panose="020B0503020204020204" pitchFamily="34" charset="-122"/>
               </a:rPr>
-              <a:t>random</a:t>
+              <a:t>	       </a:t>
             </a:r>
             <a:r>
               <a:rPr lang="zh-CN" altLang="en-US" sz="2400" dirty="0">
                 <a:latin typeface="微软雅黑" panose="020B0503020204020204" pitchFamily="34" charset="-122"/>
                 <a:ea typeface="微软雅黑" panose="020B0503020204020204" pitchFamily="34" charset="-122"/>
               </a:rPr>
-              <a:t>数据集</a:t>
+              <a:t>的概率，再按其原有归属相加，计算三种驾驶意</a:t>
             </a:r>
             <a:endParaRPr lang="en-US" altLang="zh-CN" sz="2400" dirty="0">
               <a:latin typeface="微软雅黑" panose="020B0503020204020204" pitchFamily="34" charset="-122"/>
@@ -13087,6 +12607,26 @@
             </a:endParaRPr>
           </a:p>
           <a:p>
+            <a:r>
+              <a:rPr lang="en-US" altLang="zh-CN" sz="2400" dirty="0">
+                <a:latin typeface="微软雅黑" panose="020B0503020204020204" pitchFamily="34" charset="-122"/>
+                <a:ea typeface="微软雅黑" panose="020B0503020204020204" pitchFamily="34" charset="-122"/>
+              </a:rPr>
+              <a:t>	       </a:t>
+            </a:r>
+            <a:r>
+              <a:rPr lang="zh-CN" altLang="en-US" sz="2400" dirty="0">
+                <a:latin typeface="微软雅黑" panose="020B0503020204020204" pitchFamily="34" charset="-122"/>
+                <a:ea typeface="微软雅黑" panose="020B0503020204020204" pitchFamily="34" charset="-122"/>
+              </a:rPr>
+              <a:t>图下的概率</a:t>
+            </a:r>
+            <a:endParaRPr lang="en-US" altLang="zh-CN" sz="2400" dirty="0">
+              <a:latin typeface="微软雅黑" panose="020B0503020204020204" pitchFamily="34" charset="-122"/>
+              <a:ea typeface="微软雅黑" panose="020B0503020204020204" pitchFamily="34" charset="-122"/>
+            </a:endParaRPr>
+          </a:p>
+          <a:p>
             <a:endParaRPr lang="zh-CN" altLang="en-US" sz="2400" dirty="0">
               <a:latin typeface="微软雅黑" panose="020B0503020204020204" pitchFamily="34" charset="-122"/>
               <a:ea typeface="微软雅黑" panose="020B0503020204020204" pitchFamily="34" charset="-122"/>
@@ -13105,49 +12645,21 @@
                 <a:latin typeface="微软雅黑" panose="020B0503020204020204" pitchFamily="34" charset="-122"/>
                 <a:ea typeface="微软雅黑" panose="020B0503020204020204" pitchFamily="34" charset="-122"/>
               </a:rPr>
-              <a:t>二、按</a:t>
+              <a:t>二、采用网格搜索法，得到</a:t>
             </a:r>
             <a:r>
               <a:rPr lang="en-US" altLang="zh-CN" sz="2400" dirty="0">
                 <a:latin typeface="微软雅黑" panose="020B0503020204020204" pitchFamily="34" charset="-122"/>
                 <a:ea typeface="微软雅黑" panose="020B0503020204020204" pitchFamily="34" charset="-122"/>
               </a:rPr>
-              <a:t>K-fold</a:t>
+              <a:t>SVM</a:t>
             </a:r>
             <a:r>
               <a:rPr lang="zh-CN" altLang="en-US" sz="2400" dirty="0">
                 <a:latin typeface="微软雅黑" panose="020B0503020204020204" pitchFamily="34" charset="-122"/>
                 <a:ea typeface="微软雅黑" panose="020B0503020204020204" pitchFamily="34" charset="-122"/>
               </a:rPr>
-              <a:t>方法分成</a:t>
-            </a:r>
-            <a:r>
-              <a:rPr lang="en-US" altLang="zh-CN" sz="2400" dirty="0">
-                <a:latin typeface="微软雅黑" panose="020B0503020204020204" pitchFamily="34" charset="-122"/>
-                <a:ea typeface="微软雅黑" panose="020B0503020204020204" pitchFamily="34" charset="-122"/>
-              </a:rPr>
-              <a:t>10</a:t>
-            </a:r>
-            <a:r>
-              <a:rPr lang="zh-CN" altLang="en-US" sz="2400" dirty="0">
-                <a:latin typeface="微软雅黑" panose="020B0503020204020204" pitchFamily="34" charset="-122"/>
-                <a:ea typeface="微软雅黑" panose="020B0503020204020204" pitchFamily="34" charset="-122"/>
-              </a:rPr>
-              <a:t>份，将</a:t>
-            </a:r>
-            <a:r>
-              <a:rPr lang="en-US" altLang="zh-CN" sz="2400" dirty="0">
-                <a:latin typeface="微软雅黑" panose="020B0503020204020204" pitchFamily="34" charset="-122"/>
-                <a:ea typeface="微软雅黑" panose="020B0503020204020204" pitchFamily="34" charset="-122"/>
-              </a:rPr>
-              <a:t>10</a:t>
-            </a:r>
-            <a:r>
-              <a:rPr lang="zh-CN" altLang="en-US" sz="2400" dirty="0">
-                <a:latin typeface="微软雅黑" panose="020B0503020204020204" pitchFamily="34" charset="-122"/>
-                <a:ea typeface="微软雅黑" panose="020B0503020204020204" pitchFamily="34" charset="-122"/>
-              </a:rPr>
-              <a:t>次的准确率取平  </a:t>
+              <a:t>参数的等高线图</a:t>
             </a:r>
             <a:endParaRPr lang="en-US" altLang="zh-CN" sz="2400" dirty="0">
               <a:latin typeface="微软雅黑" panose="020B0503020204020204" pitchFamily="34" charset="-122"/>
@@ -13155,32 +12667,12 @@
             </a:endParaRPr>
           </a:p>
           <a:p>
-            <a:r>
-              <a:rPr lang="en-US" altLang="zh-CN" sz="2400" dirty="0">
-                <a:latin typeface="微软雅黑" panose="020B0503020204020204" pitchFamily="34" charset="-122"/>
-                <a:ea typeface="微软雅黑" panose="020B0503020204020204" pitchFamily="34" charset="-122"/>
-              </a:rPr>
-              <a:t>                 </a:t>
-            </a:r>
-            <a:r>
-              <a:rPr lang="zh-CN" altLang="en-US" sz="2400" dirty="0">
-                <a:latin typeface="微软雅黑" panose="020B0503020204020204" pitchFamily="34" charset="-122"/>
-                <a:ea typeface="微软雅黑" panose="020B0503020204020204" pitchFamily="34" charset="-122"/>
-              </a:rPr>
-              <a:t>均值，所得即为新方法的准确率</a:t>
-            </a:r>
             <a:endParaRPr lang="en-US" altLang="zh-CN" sz="2400" dirty="0">
               <a:latin typeface="微软雅黑" panose="020B0503020204020204" pitchFamily="34" charset="-122"/>
               <a:ea typeface="微软雅黑" panose="020B0503020204020204" pitchFamily="34" charset="-122"/>
             </a:endParaRPr>
           </a:p>
           <a:p>
-            <a:endParaRPr lang="en-US" altLang="zh-CN" sz="2400" dirty="0">
-              <a:latin typeface="微软雅黑" panose="020B0503020204020204" pitchFamily="34" charset="-122"/>
-              <a:ea typeface="微软雅黑" panose="020B0503020204020204" pitchFamily="34" charset="-122"/>
-            </a:endParaRPr>
-          </a:p>
-          <a:p>
             <a:r>
               <a:rPr lang="en-US" altLang="zh-CN" sz="2400" dirty="0">
                 <a:latin typeface="微软雅黑" panose="020B0503020204020204" pitchFamily="34" charset="-122"/>
@@ -13193,129 +12685,7 @@
                 <a:latin typeface="微软雅黑" panose="020B0503020204020204" pitchFamily="34" charset="-122"/>
                 <a:ea typeface="微软雅黑" panose="020B0503020204020204" pitchFamily="34" charset="-122"/>
               </a:rPr>
-              <a:t>三、将</a:t>
-            </a:r>
-            <a:r>
-              <a:rPr lang="en-US" altLang="zh-CN" sz="2400" dirty="0">
-                <a:latin typeface="微软雅黑" panose="020B0503020204020204" pitchFamily="34" charset="-122"/>
-                <a:ea typeface="微软雅黑" panose="020B0503020204020204" pitchFamily="34" charset="-122"/>
-              </a:rPr>
-              <a:t>label</a:t>
-            </a:r>
-            <a:r>
-              <a:rPr lang="zh-CN" altLang="en-US" sz="2400" dirty="0">
-                <a:latin typeface="微软雅黑" panose="020B0503020204020204" pitchFamily="34" charset="-122"/>
-                <a:ea typeface="微软雅黑" panose="020B0503020204020204" pitchFamily="34" charset="-122"/>
-              </a:rPr>
-              <a:t>变换回旧</a:t>
-            </a:r>
-            <a:r>
-              <a:rPr lang="en-US" altLang="zh-CN" sz="2400" dirty="0">
-                <a:latin typeface="微软雅黑" panose="020B0503020204020204" pitchFamily="34" charset="-122"/>
-                <a:ea typeface="微软雅黑" panose="020B0503020204020204" pitchFamily="34" charset="-122"/>
-              </a:rPr>
-              <a:t>label</a:t>
-            </a:r>
-            <a:r>
-              <a:rPr lang="zh-CN" altLang="en-US" sz="2400" dirty="0">
-                <a:latin typeface="微软雅黑" panose="020B0503020204020204" pitchFamily="34" charset="-122"/>
-                <a:ea typeface="微软雅黑" panose="020B0503020204020204" pitchFamily="34" charset="-122"/>
-              </a:rPr>
-              <a:t>，同样按照</a:t>
-            </a:r>
-            <a:r>
-              <a:rPr lang="en-US" altLang="zh-CN" sz="2400" dirty="0">
-                <a:latin typeface="微软雅黑" panose="020B0503020204020204" pitchFamily="34" charset="-122"/>
-                <a:ea typeface="微软雅黑" panose="020B0503020204020204" pitchFamily="34" charset="-122"/>
-              </a:rPr>
-              <a:t>K-fold</a:t>
-            </a:r>
-            <a:r>
-              <a:rPr lang="zh-CN" altLang="en-US" sz="2400" dirty="0">
-                <a:latin typeface="微软雅黑" panose="020B0503020204020204" pitchFamily="34" charset="-122"/>
-                <a:ea typeface="微软雅黑" panose="020B0503020204020204" pitchFamily="34" charset="-122"/>
-              </a:rPr>
-              <a:t>方法， </a:t>
-            </a:r>
-            <a:endParaRPr lang="en-US" altLang="zh-CN" sz="2400" dirty="0">
-              <a:latin typeface="微软雅黑" panose="020B0503020204020204" pitchFamily="34" charset="-122"/>
-              <a:ea typeface="微软雅黑" panose="020B0503020204020204" pitchFamily="34" charset="-122"/>
-            </a:endParaRPr>
-          </a:p>
-          <a:p>
-            <a:r>
-              <a:rPr lang="en-US" altLang="zh-CN" sz="2400" dirty="0">
-                <a:latin typeface="微软雅黑" panose="020B0503020204020204" pitchFamily="34" charset="-122"/>
-                <a:ea typeface="微软雅黑" panose="020B0503020204020204" pitchFamily="34" charset="-122"/>
-              </a:rPr>
-              <a:t>                 </a:t>
-            </a:r>
-            <a:r>
-              <a:rPr lang="zh-CN" altLang="en-US" sz="2400" dirty="0">
-                <a:latin typeface="微软雅黑" panose="020B0503020204020204" pitchFamily="34" charset="-122"/>
-                <a:ea typeface="微软雅黑" panose="020B0503020204020204" pitchFamily="34" charset="-122"/>
-              </a:rPr>
-              <a:t>得到传统方法的准确率</a:t>
-            </a:r>
-            <a:endParaRPr lang="en-US" altLang="zh-CN" sz="2400" dirty="0">
-              <a:latin typeface="微软雅黑" panose="020B0503020204020204" pitchFamily="34" charset="-122"/>
-              <a:ea typeface="微软雅黑" panose="020B0503020204020204" pitchFamily="34" charset="-122"/>
-            </a:endParaRPr>
-          </a:p>
-          <a:p>
-            <a:endParaRPr lang="en-US" altLang="zh-CN" sz="2400" dirty="0">
-              <a:latin typeface="微软雅黑" panose="020B0503020204020204" pitchFamily="34" charset="-122"/>
-              <a:ea typeface="微软雅黑" panose="020B0503020204020204" pitchFamily="34" charset="-122"/>
-            </a:endParaRPr>
-          </a:p>
-          <a:p>
-            <a:r>
-              <a:rPr lang="en-US" altLang="zh-CN" sz="2400" dirty="0">
-                <a:latin typeface="微软雅黑" panose="020B0503020204020204" pitchFamily="34" charset="-122"/>
-                <a:ea typeface="微软雅黑" panose="020B0503020204020204" pitchFamily="34" charset="-122"/>
-              </a:rPr>
-              <a:t>	</a:t>
-            </a:r>
-            <a:r>
-              <a:rPr lang="zh-CN" altLang="en-US" sz="2400" dirty="0">
-                <a:latin typeface="微软雅黑" panose="020B0503020204020204" pitchFamily="34" charset="-122"/>
-                <a:ea typeface="微软雅黑" panose="020B0503020204020204" pitchFamily="34" charset="-122"/>
-              </a:rPr>
-              <a:t>四、重复步骤一二三，得到</a:t>
-            </a:r>
-            <a:r>
-              <a:rPr lang="en-US" altLang="zh-CN" sz="2400" dirty="0">
-                <a:latin typeface="微软雅黑" panose="020B0503020204020204" pitchFamily="34" charset="-122"/>
-                <a:ea typeface="微软雅黑" panose="020B0503020204020204" pitchFamily="34" charset="-122"/>
-              </a:rPr>
-              <a:t>100</a:t>
-            </a:r>
-            <a:r>
-              <a:rPr lang="zh-CN" altLang="en-US" sz="2400" dirty="0">
-                <a:latin typeface="微软雅黑" panose="020B0503020204020204" pitchFamily="34" charset="-122"/>
-                <a:ea typeface="微软雅黑" panose="020B0503020204020204" pitchFamily="34" charset="-122"/>
-              </a:rPr>
-              <a:t>次实验新方法和传统</a:t>
-            </a:r>
-            <a:endParaRPr lang="en-US" altLang="zh-CN" sz="2400" dirty="0">
-              <a:latin typeface="微软雅黑" panose="020B0503020204020204" pitchFamily="34" charset="-122"/>
-              <a:ea typeface="微软雅黑" panose="020B0503020204020204" pitchFamily="34" charset="-122"/>
-            </a:endParaRPr>
-          </a:p>
-          <a:p>
-            <a:r>
-              <a:rPr lang="en-US" altLang="zh-CN" sz="2400" dirty="0">
-                <a:latin typeface="微软雅黑" panose="020B0503020204020204" pitchFamily="34" charset="-122"/>
-                <a:ea typeface="微软雅黑" panose="020B0503020204020204" pitchFamily="34" charset="-122"/>
-              </a:rPr>
-              <a:t>                 </a:t>
-            </a:r>
-            <a:r>
-              <a:rPr lang="zh-CN" altLang="en-US" sz="2400" dirty="0">
-                <a:latin typeface="微软雅黑" panose="020B0503020204020204" pitchFamily="34" charset="-122"/>
-                <a:ea typeface="微软雅黑" panose="020B0503020204020204" pitchFamily="34" charset="-122"/>
-              </a:rPr>
-              <a:t>方法的准确率并取平均值 </a:t>
+              <a:t>三、重复十次取平均值</a:t>
             </a:r>
             <a:endParaRPr lang="en-US" altLang="zh-CN" sz="2400" dirty="0">
               <a:latin typeface="微软雅黑" panose="020B0503020204020204" pitchFamily="34" charset="-122"/>
@@ -17336,7 +16706,7 @@
         <p:spPr>
           <a:xfrm>
             <a:off x="476311" y="1767414"/>
-            <a:ext cx="8191377" cy="3477875"/>
+            <a:ext cx="8191377" cy="3785652"/>
           </a:xfrm>
           <a:prstGeom prst="rect">
             <a:avLst/>
@@ -17492,6 +16862,65 @@
                 <a:ea typeface="微软雅黑" panose="020B0503020204020204" pitchFamily="34" charset="-122"/>
               </a:rPr>
               <a:t>保证每个簇内样本数量，为后续有监督学习做准备</a:t>
+            </a:r>
+            <a:endParaRPr lang="en-US" altLang="zh-CN" sz="2000" dirty="0">
+              <a:solidFill>
+                <a:schemeClr val="bg1">
+                  <a:lumMod val="75000"/>
+                </a:schemeClr>
+              </a:solidFill>
+              <a:latin typeface="微软雅黑" panose="020B0503020204020204" pitchFamily="34" charset="-122"/>
+              <a:ea typeface="微软雅黑" panose="020B0503020204020204" pitchFamily="34" charset="-122"/>
+            </a:endParaRPr>
+          </a:p>
+          <a:p>
+            <a:r>
+              <a:rPr lang="en-US" altLang="zh-CN" sz="2000" dirty="0">
+                <a:solidFill>
+                  <a:schemeClr val="bg1">
+                    <a:lumMod val="75000"/>
+                  </a:schemeClr>
+                </a:solidFill>
+                <a:latin typeface="微软雅黑" panose="020B0503020204020204" pitchFamily="34" charset="-122"/>
+                <a:ea typeface="微软雅黑" panose="020B0503020204020204" pitchFamily="34" charset="-122"/>
+              </a:rPr>
+              <a:t>	30%</a:t>
+            </a:r>
+            <a:r>
+              <a:rPr lang="zh-CN" altLang="en-US" sz="2000" dirty="0">
+                <a:solidFill>
+                  <a:schemeClr val="bg1">
+                    <a:lumMod val="75000"/>
+                  </a:schemeClr>
+                </a:solidFill>
+                <a:latin typeface="微软雅黑" panose="020B0503020204020204" pitchFamily="34" charset="-122"/>
+                <a:ea typeface="微软雅黑" panose="020B0503020204020204" pitchFamily="34" charset="-122"/>
+              </a:rPr>
+              <a:t>是为了让簇的个数最多只有</a:t>
+            </a:r>
+            <a:r>
+              <a:rPr lang="en-US" altLang="zh-CN" sz="2000" dirty="0">
+                <a:solidFill>
+                  <a:schemeClr val="bg1">
+                    <a:lumMod val="75000"/>
+                  </a:schemeClr>
+                </a:solidFill>
+                <a:latin typeface="微软雅黑" panose="020B0503020204020204" pitchFamily="34" charset="-122"/>
+                <a:ea typeface="微软雅黑" panose="020B0503020204020204" pitchFamily="34" charset="-122"/>
+              </a:rPr>
+              <a:t>3</a:t>
+            </a:r>
+            <a:r>
+              <a:rPr lang="zh-CN" altLang="en-US" sz="2000" dirty="0">
+                <a:solidFill>
+                  <a:schemeClr val="bg1">
+                    <a:lumMod val="75000"/>
+                  </a:schemeClr>
+                </a:solidFill>
+                <a:latin typeface="微软雅黑" panose="020B0503020204020204" pitchFamily="34" charset="-122"/>
+                <a:ea typeface="微软雅黑" panose="020B0503020204020204" pitchFamily="34" charset="-122"/>
+              </a:rPr>
+              <a:t>个</a:t>
             </a:r>
             <a:endParaRPr lang="en-US" altLang="zh-CN" sz="2000" dirty="0">
               <a:solidFill>
@@ -17631,11 +17060,47 @@
                 <a:latin typeface="微软雅黑" panose="020B0503020204020204" pitchFamily="34" charset="-122"/>
                 <a:ea typeface="微软雅黑" panose="020B0503020204020204" pitchFamily="34" charset="-122"/>
               </a:rPr>
-              <a:t>二、随机森林（红灯）</a:t>
+              <a:t>三、随机森林（红灯）</a:t>
             </a:r>
           </a:p>
         </p:txBody>
       </p:sp>
+      <p:pic>
+        <p:nvPicPr>
+          <p:cNvPr id="4" name="图片 3">
+            <a:extLst>
+              <a:ext uri="{FF2B5EF4-FFF2-40B4-BE49-F238E27FC236}">
+                <a16:creationId xmlns:a16="http://schemas.microsoft.com/office/drawing/2014/main" id="{3B65AE88-841B-4A99-B689-7B85B4A3B9AB}"/>
+              </a:ext>
+            </a:extLst>
+          </p:cNvPr>
+          <p:cNvPicPr>
+            <a:picLocks noChangeAspect="1"/>
+          </p:cNvPicPr>
+          <p:nvPr/>
+        </p:nvPicPr>
+        <p:blipFill>
+          <a:blip r:embed="rId4">
+            <a:extLst>
+              <a:ext uri="{28A0092B-C50C-407E-A947-70E740481C1C}">
+                <a14:useLocalDpi xmlns:a14="http://schemas.microsoft.com/office/drawing/2010/main" val="0"/>
+              </a:ext>
+            </a:extLst>
+          </a:blip>
+          <a:stretch>
+            <a:fillRect/>
+          </a:stretch>
+        </p:blipFill>
+        <p:spPr>
+          <a:xfrm>
+            <a:off x="0" y="1823294"/>
+            <a:ext cx="9144000" cy="4351098"/>
+          </a:xfrm>
+          <a:prstGeom prst="rect">
+            <a:avLst/>
+          </a:prstGeom>
+        </p:spPr>
+      </p:pic>
     </p:spTree>
     <p:extLst>
       <p:ext uri="{BB962C8B-B14F-4D97-AF65-F5344CB8AC3E}">
@@ -17767,7 +17232,7 @@
                 <a:latin typeface="微软雅黑" panose="020B0503020204020204" pitchFamily="34" charset="-122"/>
                 <a:ea typeface="微软雅黑" panose="020B0503020204020204" pitchFamily="34" charset="-122"/>
               </a:rPr>
-              <a:t>三、一些问题</a:t>
+              <a:t>四、一些问题</a:t>
             </a:r>
             <a:endParaRPr lang="en-US" altLang="zh-CN" sz="2800" b="1" dirty="0">
               <a:solidFill>

--- a/汇报_20180412_赖伟鉴.pptx
+++ b/汇报_20180412_赖伟鉴.pptx
@@ -230,7 +230,7 @@
           <a:p>
             <a:fld id="{A2A9047C-1412-44E3-92F3-8C16A0CAED73}" type="datetime2">
               <a:rPr lang="zh-CN" altLang="en-US" smtClean="0"/>
-              <a:t>2018年4月13日</a:t>
+              <a:t>2018年4月16日</a:t>
             </a:fld>
             <a:endParaRPr lang="en-US"/>
           </a:p>
@@ -391,7 +391,7 @@
           <a:p>
             <a:fld id="{EBB5FEA6-CFBF-4DC5-9512-17D7D42EC87C}" type="datetime2">
               <a:rPr lang="zh-CN" altLang="en-US" smtClean="0"/>
-              <a:t>2018年4月13日</a:t>
+              <a:t>2018年4月16日</a:t>
             </a:fld>
             <a:endParaRPr lang="zh-CN" altLang="en-US"/>
           </a:p>
@@ -2931,7 +2931,7 @@
           <a:p>
             <a:fld id="{E218CEBF-B1E2-4C24-A638-4011EC557846}" type="datetime2">
               <a:rPr lang="zh-CN" altLang="en-US" smtClean="0"/>
-              <a:t>2018年4月13日</a:t>
+              <a:t>2018年4月16日</a:t>
             </a:fld>
             <a:endParaRPr lang="zh-CN" altLang="en-US"/>
           </a:p>
@@ -3096,7 +3096,7 @@
           <a:p>
             <a:fld id="{C432C8E6-46E0-4549-A619-5D2757CEC302}" type="datetime2">
               <a:rPr lang="zh-CN" altLang="en-US" smtClean="0"/>
-              <a:t>2018年4月13日</a:t>
+              <a:t>2018年4月16日</a:t>
             </a:fld>
             <a:endParaRPr lang="zh-CN" altLang="en-US"/>
           </a:p>
@@ -3271,7 +3271,7 @@
           <a:p>
             <a:fld id="{5953B90A-EE9A-4633-B860-9B966B2D7BA1}" type="datetime2">
               <a:rPr lang="zh-CN" altLang="en-US" smtClean="0"/>
-              <a:t>2018年4月13日</a:t>
+              <a:t>2018年4月16日</a:t>
             </a:fld>
             <a:endParaRPr lang="zh-CN" altLang="en-US"/>
           </a:p>
@@ -3436,7 +3436,7 @@
           <a:p>
             <a:fld id="{379C6D21-0034-4570-B40E-B2355E568F5B}" type="datetime2">
               <a:rPr lang="zh-CN" altLang="en-US" smtClean="0"/>
-              <a:t>2018年4月13日</a:t>
+              <a:t>2018年4月16日</a:t>
             </a:fld>
             <a:endParaRPr lang="zh-CN" altLang="en-US"/>
           </a:p>
@@ -3675,7 +3675,7 @@
           <a:p>
             <a:fld id="{2B517FA8-9CDF-43BD-B52A-477D660FE07F}" type="datetime2">
               <a:rPr lang="zh-CN" altLang="en-US" smtClean="0"/>
-              <a:t>2018年4月13日</a:t>
+              <a:t>2018年4月16日</a:t>
             </a:fld>
             <a:endParaRPr lang="zh-CN" altLang="en-US"/>
           </a:p>
@@ -3902,7 +3902,7 @@
           <a:p>
             <a:fld id="{FF3F4D52-7347-40E6-BC42-BA222B158758}" type="datetime2">
               <a:rPr lang="zh-CN" altLang="en-US" smtClean="0"/>
-              <a:t>2018年4月13日</a:t>
+              <a:t>2018年4月16日</a:t>
             </a:fld>
             <a:endParaRPr lang="zh-CN" altLang="en-US"/>
           </a:p>
@@ -4264,7 +4264,7 @@
           <a:p>
             <a:fld id="{37BBE47B-1DD0-4718-BF6F-A24F1432C45A}" type="datetime2">
               <a:rPr lang="zh-CN" altLang="en-US" smtClean="0"/>
-              <a:t>2018年4月13日</a:t>
+              <a:t>2018年4月16日</a:t>
             </a:fld>
             <a:endParaRPr lang="zh-CN" altLang="en-US"/>
           </a:p>
@@ -4377,7 +4377,7 @@
           <a:p>
             <a:fld id="{D61CB1F2-7D55-4764-8DD0-419C6EBB44B2}" type="datetime2">
               <a:rPr lang="zh-CN" altLang="en-US" smtClean="0"/>
-              <a:t>2018年4月13日</a:t>
+              <a:t>2018年4月16日</a:t>
             </a:fld>
             <a:endParaRPr lang="zh-CN" altLang="en-US"/>
           </a:p>
@@ -4467,7 +4467,7 @@
           <a:p>
             <a:fld id="{32EC8057-9B77-43CE-9615-0FCF1116B386}" type="datetime2">
               <a:rPr lang="zh-CN" altLang="en-US" smtClean="0"/>
-              <a:t>2018年4月13日</a:t>
+              <a:t>2018年4月16日</a:t>
             </a:fld>
             <a:endParaRPr lang="zh-CN" altLang="en-US"/>
           </a:p>
@@ -4739,7 +4739,7 @@
           <a:p>
             <a:fld id="{27A9E195-8062-46FA-B645-56D52D4BE8AB}" type="datetime2">
               <a:rPr lang="zh-CN" altLang="en-US" smtClean="0"/>
-              <a:t>2018年4月13日</a:t>
+              <a:t>2018年4月16日</a:t>
             </a:fld>
             <a:endParaRPr lang="zh-CN" altLang="en-US"/>
           </a:p>
@@ -4991,7 +4991,7 @@
           <a:p>
             <a:fld id="{13AFCE97-6A8E-431F-BF0E-530FFA713E04}" type="datetime2">
               <a:rPr lang="zh-CN" altLang="en-US" smtClean="0"/>
-              <a:t>2018年4月13日</a:t>
+              <a:t>2018年4月16日</a:t>
             </a:fld>
             <a:endParaRPr lang="zh-CN" altLang="en-US"/>
           </a:p>
@@ -5199,7 +5199,7 @@
           <a:p>
             <a:fld id="{8FC232A7-FD91-4B70-B1B7-74A6EE3D1B09}" type="datetime2">
               <a:rPr lang="zh-CN" altLang="en-US" smtClean="0"/>
-              <a:t>2018年4月13日</a:t>
+              <a:t>2018年4月16日</a:t>
             </a:fld>
             <a:endParaRPr lang="zh-CN" altLang="en-US"/>
           </a:p>
